--- a/TNR_MPS/Measure_Impurity/coarse_graining.pptx
+++ b/TNR_MPS/Measure_Impurity/coarse_graining.pptx
@@ -265,7 +265,7 @@
           <a:p>
             <a:fld id="{DCB6473A-0C6F-4DDD-AADD-40AC16A721BC}" type="datetimeFigureOut">
               <a:rPr lang="zh-HK" altLang="en-US" smtClean="0"/>
-              <a:t>12/9/2020</a:t>
+              <a:t>04/12/20</a:t>
             </a:fld>
             <a:endParaRPr lang="zh-HK" altLang="en-US"/>
           </a:p>
@@ -465,7 +465,7 @@
           <a:p>
             <a:fld id="{DCB6473A-0C6F-4DDD-AADD-40AC16A721BC}" type="datetimeFigureOut">
               <a:rPr lang="zh-HK" altLang="en-US" smtClean="0"/>
-              <a:t>12/9/2020</a:t>
+              <a:t>04/12/20</a:t>
             </a:fld>
             <a:endParaRPr lang="zh-HK" altLang="en-US"/>
           </a:p>
@@ -675,7 +675,7 @@
           <a:p>
             <a:fld id="{DCB6473A-0C6F-4DDD-AADD-40AC16A721BC}" type="datetimeFigureOut">
               <a:rPr lang="zh-HK" altLang="en-US" smtClean="0"/>
-              <a:t>12/9/2020</a:t>
+              <a:t>04/12/20</a:t>
             </a:fld>
             <a:endParaRPr lang="zh-HK" altLang="en-US"/>
           </a:p>
@@ -875,7 +875,7 @@
           <a:p>
             <a:fld id="{DCB6473A-0C6F-4DDD-AADD-40AC16A721BC}" type="datetimeFigureOut">
               <a:rPr lang="zh-HK" altLang="en-US" smtClean="0"/>
-              <a:t>12/9/2020</a:t>
+              <a:t>04/12/20</a:t>
             </a:fld>
             <a:endParaRPr lang="zh-HK" altLang="en-US"/>
           </a:p>
@@ -1151,7 +1151,7 @@
           <a:p>
             <a:fld id="{DCB6473A-0C6F-4DDD-AADD-40AC16A721BC}" type="datetimeFigureOut">
               <a:rPr lang="zh-HK" altLang="en-US" smtClean="0"/>
-              <a:t>12/9/2020</a:t>
+              <a:t>04/12/20</a:t>
             </a:fld>
             <a:endParaRPr lang="zh-HK" altLang="en-US"/>
           </a:p>
@@ -1419,7 +1419,7 @@
           <a:p>
             <a:fld id="{DCB6473A-0C6F-4DDD-AADD-40AC16A721BC}" type="datetimeFigureOut">
               <a:rPr lang="zh-HK" altLang="en-US" smtClean="0"/>
-              <a:t>12/9/2020</a:t>
+              <a:t>04/12/20</a:t>
             </a:fld>
             <a:endParaRPr lang="zh-HK" altLang="en-US"/>
           </a:p>
@@ -1834,7 +1834,7 @@
           <a:p>
             <a:fld id="{DCB6473A-0C6F-4DDD-AADD-40AC16A721BC}" type="datetimeFigureOut">
               <a:rPr lang="zh-HK" altLang="en-US" smtClean="0"/>
-              <a:t>12/9/2020</a:t>
+              <a:t>04/12/20</a:t>
             </a:fld>
             <a:endParaRPr lang="zh-HK" altLang="en-US"/>
           </a:p>
@@ -1976,7 +1976,7 @@
           <a:p>
             <a:fld id="{DCB6473A-0C6F-4DDD-AADD-40AC16A721BC}" type="datetimeFigureOut">
               <a:rPr lang="zh-HK" altLang="en-US" smtClean="0"/>
-              <a:t>12/9/2020</a:t>
+              <a:t>04/12/20</a:t>
             </a:fld>
             <a:endParaRPr lang="zh-HK" altLang="en-US"/>
           </a:p>
@@ -2089,7 +2089,7 @@
           <a:p>
             <a:fld id="{DCB6473A-0C6F-4DDD-AADD-40AC16A721BC}" type="datetimeFigureOut">
               <a:rPr lang="zh-HK" altLang="en-US" smtClean="0"/>
-              <a:t>12/9/2020</a:t>
+              <a:t>04/12/20</a:t>
             </a:fld>
             <a:endParaRPr lang="zh-HK" altLang="en-US"/>
           </a:p>
@@ -2402,7 +2402,7 @@
           <a:p>
             <a:fld id="{DCB6473A-0C6F-4DDD-AADD-40AC16A721BC}" type="datetimeFigureOut">
               <a:rPr lang="zh-HK" altLang="en-US" smtClean="0"/>
-              <a:t>12/9/2020</a:t>
+              <a:t>04/12/20</a:t>
             </a:fld>
             <a:endParaRPr lang="zh-HK" altLang="en-US"/>
           </a:p>
@@ -2691,7 +2691,7 @@
           <a:p>
             <a:fld id="{DCB6473A-0C6F-4DDD-AADD-40AC16A721BC}" type="datetimeFigureOut">
               <a:rPr lang="zh-HK" altLang="en-US" smtClean="0"/>
-              <a:t>12/9/2020</a:t>
+              <a:t>04/12/20</a:t>
             </a:fld>
             <a:endParaRPr lang="zh-HK" altLang="en-US"/>
           </a:p>
@@ -2934,7 +2934,7 @@
           <a:p>
             <a:fld id="{DCB6473A-0C6F-4DDD-AADD-40AC16A721BC}" type="datetimeFigureOut">
               <a:rPr lang="zh-HK" altLang="en-US" smtClean="0"/>
-              <a:t>12/9/2020</a:t>
+              <a:t>04/12/20</a:t>
             </a:fld>
             <a:endParaRPr lang="zh-HK" altLang="en-US"/>
           </a:p>
@@ -6923,6 +6923,41 @@
           </a:fontRef>
         </p:style>
       </p:cxnSp>
+      <p:sp>
+        <p:nvSpPr>
+          <p:cNvPr id="2" name="TextBox 1">
+            <a:extLst>
+              <a:ext uri="{FF2B5EF4-FFF2-40B4-BE49-F238E27FC236}">
+                <a16:creationId xmlns:a16="http://schemas.microsoft.com/office/drawing/2014/main" id="{2F1ADFBE-8449-6A46-B358-1DD121473B15}"/>
+              </a:ext>
+            </a:extLst>
+          </p:cNvPr>
+          <p:cNvSpPr txBox="1"/>
+          <p:nvPr/>
+        </p:nvSpPr>
+        <p:spPr>
+          <a:xfrm>
+            <a:off x="6862152" y="4550034"/>
+            <a:ext cx="2008755" cy="369332"/>
+          </a:xfrm>
+          <a:prstGeom prst="rect">
+            <a:avLst/>
+          </a:prstGeom>
+          <a:noFill/>
+        </p:spPr>
+        <p:txBody>
+          <a:bodyPr wrap="none" rtlCol="0">
+            <a:spAutoFit/>
+          </a:bodyPr>
+          <a:lstStyle/>
+          <a:p>
+            <a:r>
+              <a:rPr lang="en-CN" dirty="0"/>
+              <a:t>“u” is for “uniform”</a:t>
+            </a:r>
+          </a:p>
+        </p:txBody>
+      </p:sp>
     </p:spTree>
     <p:extLst>
       <p:ext uri="{BB962C8B-B14F-4D97-AF65-F5344CB8AC3E}">
